--- a/ResultsPresentation/EE400D SAWS Presentation 28102017.pptx
+++ b/ResultsPresentation/EE400D SAWS Presentation 28102017.pptx
@@ -8,6 +8,8 @@
     <p:sldId id="256" r:id="rId2"/>
     <p:sldId id="257" r:id="rId3"/>
     <p:sldId id="258" r:id="rId4"/>
+    <p:sldId id="259" r:id="rId5"/>
+    <p:sldId id="260" r:id="rId6"/>
   </p:sldIdLst>
   <p:sldSz cx="12192000" cy="6858000"/>
   <p:notesSz cx="6858000" cy="9144000"/>
@@ -106,6 +108,11 @@
       </a:defRPr>
     </a:lvl9pPr>
   </p:defaultTextStyle>
+  <p:extLst>
+    <p:ext uri="{EFAFB233-063F-42B5-8137-9DF3F51BA10A}">
+      <p15:sldGuideLst xmlns:p15="http://schemas.microsoft.com/office/powerpoint/2012/main"/>
+    </p:ext>
+  </p:extLst>
 </p:presentation>
 </file>
 
@@ -170,7 +177,7 @@
           <a:noFill/>
           <a:extLst>
             <a:ext uri="{909E8E84-426E-40dd-AFC4-6F175D3DCCD1}">
-              <a14:hiddenFill xmlns:a14="http://schemas.microsoft.com/office/drawing/2010/main" xmlns="">
+              <a14:hiddenFill xmlns="" xmlns:a14="http://schemas.microsoft.com/office/drawing/2010/main">
                 <a:solidFill>
                   <a:srgbClr val="FFFFFF"/>
                 </a:solidFill>
@@ -229,7 +236,7 @@
             </a:ln>
             <a:extLst>
               <a:ext uri="{91240B29-F687-4f45-9708-019B960494DF}">
-                <a14:hiddenLine xmlns:a14="http://schemas.microsoft.com/office/drawing/2010/main" xmlns="" w="9525">
+                <a14:hiddenLine xmlns="" xmlns:a14="http://schemas.microsoft.com/office/drawing/2010/main" w="9525">
                   <a:solidFill>
                     <a:srgbClr val="000000"/>
                   </a:solidFill>
@@ -319,7 +326,7 @@
             </a:ln>
             <a:extLst>
               <a:ext uri="{91240B29-F687-4f45-9708-019B960494DF}">
-                <a14:hiddenLine xmlns:a14="http://schemas.microsoft.com/office/drawing/2010/main" xmlns="" w="9525">
+                <a14:hiddenLine xmlns="" xmlns:a14="http://schemas.microsoft.com/office/drawing/2010/main" w="9525">
                   <a:solidFill>
                     <a:srgbClr val="000000"/>
                   </a:solidFill>
@@ -409,7 +416,7 @@
             </a:ln>
             <a:extLst>
               <a:ext uri="{91240B29-F687-4f45-9708-019B960494DF}">
-                <a14:hiddenLine xmlns:a14="http://schemas.microsoft.com/office/drawing/2010/main" xmlns="" w="9525">
+                <a14:hiddenLine xmlns="" xmlns:a14="http://schemas.microsoft.com/office/drawing/2010/main" w="9525">
                   <a:solidFill>
                     <a:srgbClr val="000000"/>
                   </a:solidFill>
@@ -443,7 +450,7 @@
             </a:ln>
             <a:extLst>
               <a:ext uri="{91240B29-F687-4f45-9708-019B960494DF}">
-                <a14:hiddenLine xmlns:a14="http://schemas.microsoft.com/office/drawing/2010/main" xmlns="" w="9525">
+                <a14:hiddenLine xmlns="" xmlns:a14="http://schemas.microsoft.com/office/drawing/2010/main" w="9525">
                   <a:solidFill>
                     <a:srgbClr val="000000"/>
                   </a:solidFill>
@@ -533,7 +540,7 @@
             </a:ln>
             <a:extLst>
               <a:ext uri="{91240B29-F687-4f45-9708-019B960494DF}">
-                <a14:hiddenLine xmlns:a14="http://schemas.microsoft.com/office/drawing/2010/main" xmlns="" w="9525">
+                <a14:hiddenLine xmlns="" xmlns:a14="http://schemas.microsoft.com/office/drawing/2010/main" w="9525">
                   <a:solidFill>
                     <a:srgbClr val="000000"/>
                   </a:solidFill>
@@ -595,7 +602,7 @@
             </a:ln>
             <a:extLst>
               <a:ext uri="{91240B29-F687-4f45-9708-019B960494DF}">
-                <a14:hiddenLine xmlns:a14="http://schemas.microsoft.com/office/drawing/2010/main" xmlns="" w="9525">
+                <a14:hiddenLine xmlns="" xmlns:a14="http://schemas.microsoft.com/office/drawing/2010/main" w="9525">
                   <a:solidFill>
                     <a:srgbClr val="000000"/>
                   </a:solidFill>
@@ -657,7 +664,7 @@
             </a:ln>
             <a:extLst>
               <a:ext uri="{91240B29-F687-4f45-9708-019B960494DF}">
-                <a14:hiddenLine xmlns:a14="http://schemas.microsoft.com/office/drawing/2010/main" xmlns="" w="9525">
+                <a14:hiddenLine xmlns="" xmlns:a14="http://schemas.microsoft.com/office/drawing/2010/main" w="9525">
                   <a:solidFill>
                     <a:srgbClr val="000000"/>
                   </a:solidFill>
@@ -747,7 +754,7 @@
             </a:ln>
             <a:extLst>
               <a:ext uri="{91240B29-F687-4f45-9708-019B960494DF}">
-                <a14:hiddenLine xmlns:a14="http://schemas.microsoft.com/office/drawing/2010/main" xmlns="" w="9525">
+                <a14:hiddenLine xmlns="" xmlns:a14="http://schemas.microsoft.com/office/drawing/2010/main" w="9525">
                   <a:solidFill>
                     <a:srgbClr val="000000"/>
                   </a:solidFill>
@@ -809,7 +816,7 @@
             </a:ln>
             <a:extLst>
               <a:ext uri="{91240B29-F687-4f45-9708-019B960494DF}">
-                <a14:hiddenLine xmlns:a14="http://schemas.microsoft.com/office/drawing/2010/main" xmlns="" w="9525">
+                <a14:hiddenLine xmlns="" xmlns:a14="http://schemas.microsoft.com/office/drawing/2010/main" w="9525">
                   <a:solidFill>
                     <a:srgbClr val="000000"/>
                   </a:solidFill>
@@ -871,7 +878,7 @@
             </a:ln>
             <a:extLst>
               <a:ext uri="{91240B29-F687-4f45-9708-019B960494DF}">
-                <a14:hiddenLine xmlns:a14="http://schemas.microsoft.com/office/drawing/2010/main" xmlns="" w="9525">
+                <a14:hiddenLine xmlns="" xmlns:a14="http://schemas.microsoft.com/office/drawing/2010/main" w="9525">
                   <a:solidFill>
                     <a:srgbClr val="000000"/>
                   </a:solidFill>
@@ -961,7 +968,7 @@
             </a:ln>
             <a:extLst>
               <a:ext uri="{91240B29-F687-4f45-9708-019B960494DF}">
-                <a14:hiddenLine xmlns:a14="http://schemas.microsoft.com/office/drawing/2010/main" xmlns="" w="9525">
+                <a14:hiddenLine xmlns="" xmlns:a14="http://schemas.microsoft.com/office/drawing/2010/main" w="9525">
                   <a:solidFill>
                     <a:srgbClr val="000000"/>
                   </a:solidFill>
@@ -1051,7 +1058,7 @@
             </a:ln>
             <a:extLst>
               <a:ext uri="{91240B29-F687-4f45-9708-019B960494DF}">
-                <a14:hiddenLine xmlns:a14="http://schemas.microsoft.com/office/drawing/2010/main" xmlns="" w="9525">
+                <a14:hiddenLine xmlns="" xmlns:a14="http://schemas.microsoft.com/office/drawing/2010/main" w="9525">
                   <a:solidFill>
                     <a:srgbClr val="000000"/>
                   </a:solidFill>
@@ -1113,7 +1120,7 @@
             </a:ln>
             <a:extLst>
               <a:ext uri="{91240B29-F687-4f45-9708-019B960494DF}">
-                <a14:hiddenLine xmlns:a14="http://schemas.microsoft.com/office/drawing/2010/main" xmlns="" w="9525">
+                <a14:hiddenLine xmlns="" xmlns:a14="http://schemas.microsoft.com/office/drawing/2010/main" w="9525">
                   <a:solidFill>
                     <a:srgbClr val="000000"/>
                   </a:solidFill>
@@ -1223,7 +1230,7 @@
             </a:ln>
             <a:extLst>
               <a:ext uri="{91240B29-F687-4f45-9708-019B960494DF}">
-                <a14:hiddenLine xmlns:a14="http://schemas.microsoft.com/office/drawing/2010/main" xmlns="" w="9525">
+                <a14:hiddenLine xmlns="" xmlns:a14="http://schemas.microsoft.com/office/drawing/2010/main" w="9525">
                   <a:solidFill>
                     <a:srgbClr val="000000"/>
                   </a:solidFill>
@@ -1285,7 +1292,7 @@
             </a:ln>
             <a:extLst>
               <a:ext uri="{91240B29-F687-4f45-9708-019B960494DF}">
-                <a14:hiddenLine xmlns:a14="http://schemas.microsoft.com/office/drawing/2010/main" xmlns="" w="9525">
+                <a14:hiddenLine xmlns="" xmlns:a14="http://schemas.microsoft.com/office/drawing/2010/main" w="9525">
                   <a:solidFill>
                     <a:srgbClr val="000000"/>
                   </a:solidFill>
@@ -1375,7 +1382,7 @@
             </a:ln>
             <a:extLst>
               <a:ext uri="{91240B29-F687-4f45-9708-019B960494DF}">
-                <a14:hiddenLine xmlns:a14="http://schemas.microsoft.com/office/drawing/2010/main" xmlns="" w="9525">
+                <a14:hiddenLine xmlns="" xmlns:a14="http://schemas.microsoft.com/office/drawing/2010/main" w="9525">
                   <a:solidFill>
                     <a:srgbClr val="000000"/>
                   </a:solidFill>
@@ -1465,7 +1472,7 @@
             </a:ln>
             <a:extLst>
               <a:ext uri="{91240B29-F687-4f45-9708-019B960494DF}">
-                <a14:hiddenLine xmlns:a14="http://schemas.microsoft.com/office/drawing/2010/main" xmlns="" w="9525">
+                <a14:hiddenLine xmlns="" xmlns:a14="http://schemas.microsoft.com/office/drawing/2010/main" w="9525">
                   <a:solidFill>
                     <a:srgbClr val="000000"/>
                   </a:solidFill>
@@ -1527,7 +1534,7 @@
             </a:ln>
             <a:extLst>
               <a:ext uri="{91240B29-F687-4f45-9708-019B960494DF}">
-                <a14:hiddenLine xmlns:a14="http://schemas.microsoft.com/office/drawing/2010/main" xmlns="" w="9525">
+                <a14:hiddenLine xmlns="" xmlns:a14="http://schemas.microsoft.com/office/drawing/2010/main" w="9525">
                   <a:solidFill>
                     <a:srgbClr val="000000"/>
                   </a:solidFill>
@@ -1617,7 +1624,7 @@
             </a:ln>
             <a:extLst>
               <a:ext uri="{91240B29-F687-4f45-9708-019B960494DF}">
-                <a14:hiddenLine xmlns:a14="http://schemas.microsoft.com/office/drawing/2010/main" xmlns="" w="9525">
+                <a14:hiddenLine xmlns="" xmlns:a14="http://schemas.microsoft.com/office/drawing/2010/main" w="9525">
                   <a:solidFill>
                     <a:srgbClr val="000000"/>
                   </a:solidFill>
@@ -1707,7 +1714,7 @@
             </a:ln>
             <a:extLst>
               <a:ext uri="{91240B29-F687-4f45-9708-019B960494DF}">
-                <a14:hiddenLine xmlns:a14="http://schemas.microsoft.com/office/drawing/2010/main" xmlns="" w="9525">
+                <a14:hiddenLine xmlns="" xmlns:a14="http://schemas.microsoft.com/office/drawing/2010/main" w="9525">
                   <a:solidFill>
                     <a:srgbClr val="000000"/>
                   </a:solidFill>
@@ -1763,7 +1770,7 @@
             </a:ln>
             <a:extLst>
               <a:ext uri="{91240B29-F687-4f45-9708-019B960494DF}">
-                <a14:hiddenLine xmlns:a14="http://schemas.microsoft.com/office/drawing/2010/main" xmlns="" w="9525">
+                <a14:hiddenLine xmlns="" xmlns:a14="http://schemas.microsoft.com/office/drawing/2010/main" w="9525">
                   <a:solidFill>
                     <a:srgbClr val="000000"/>
                   </a:solidFill>
@@ -1853,7 +1860,7 @@
             </a:ln>
             <a:extLst>
               <a:ext uri="{91240B29-F687-4f45-9708-019B960494DF}">
-                <a14:hiddenLine xmlns:a14="http://schemas.microsoft.com/office/drawing/2010/main" xmlns="" w="9525">
+                <a14:hiddenLine xmlns="" xmlns:a14="http://schemas.microsoft.com/office/drawing/2010/main" w="9525">
                   <a:solidFill>
                     <a:srgbClr val="000000"/>
                   </a:solidFill>
@@ -1909,7 +1916,7 @@
             </a:ln>
             <a:extLst>
               <a:ext uri="{91240B29-F687-4f45-9708-019B960494DF}">
-                <a14:hiddenLine xmlns:a14="http://schemas.microsoft.com/office/drawing/2010/main" xmlns="" w="9525">
+                <a14:hiddenLine xmlns="" xmlns:a14="http://schemas.microsoft.com/office/drawing/2010/main" w="9525">
                   <a:solidFill>
                     <a:srgbClr val="000000"/>
                   </a:solidFill>
@@ -1999,7 +2006,7 @@
             </a:ln>
             <a:extLst>
               <a:ext uri="{91240B29-F687-4f45-9708-019B960494DF}">
-                <a14:hiddenLine xmlns:a14="http://schemas.microsoft.com/office/drawing/2010/main" xmlns="" w="9525">
+                <a14:hiddenLine xmlns="" xmlns:a14="http://schemas.microsoft.com/office/drawing/2010/main" w="9525">
                   <a:solidFill>
                     <a:srgbClr val="000000"/>
                   </a:solidFill>
@@ -2067,7 +2074,7 @@
             </a:ln>
             <a:extLst>
               <a:ext uri="{91240B29-F687-4f45-9708-019B960494DF}">
-                <a14:hiddenLine xmlns:a14="http://schemas.microsoft.com/office/drawing/2010/main" xmlns="" w="9525">
+                <a14:hiddenLine xmlns="" xmlns:a14="http://schemas.microsoft.com/office/drawing/2010/main" w="9525">
                   <a:solidFill>
                     <a:srgbClr val="000000"/>
                   </a:solidFill>
@@ -2157,7 +2164,7 @@
             </a:ln>
             <a:extLst>
               <a:ext uri="{91240B29-F687-4f45-9708-019B960494DF}">
-                <a14:hiddenLine xmlns:a14="http://schemas.microsoft.com/office/drawing/2010/main" xmlns="" w="9525">
+                <a14:hiddenLine xmlns="" xmlns:a14="http://schemas.microsoft.com/office/drawing/2010/main" w="9525">
                   <a:solidFill>
                     <a:srgbClr val="000000"/>
                   </a:solidFill>
@@ -2225,7 +2232,7 @@
             </a:ln>
             <a:extLst>
               <a:ext uri="{91240B29-F687-4f45-9708-019B960494DF}">
-                <a14:hiddenLine xmlns:a14="http://schemas.microsoft.com/office/drawing/2010/main" xmlns="" w="9525">
+                <a14:hiddenLine xmlns="" xmlns:a14="http://schemas.microsoft.com/office/drawing/2010/main" w="9525">
                   <a:solidFill>
                     <a:srgbClr val="000000"/>
                   </a:solidFill>
@@ -2315,7 +2322,7 @@
             </a:ln>
             <a:extLst>
               <a:ext uri="{91240B29-F687-4f45-9708-019B960494DF}">
-                <a14:hiddenLine xmlns:a14="http://schemas.microsoft.com/office/drawing/2010/main" xmlns="" w="9525">
+                <a14:hiddenLine xmlns="" xmlns:a14="http://schemas.microsoft.com/office/drawing/2010/main" w="9525">
                   <a:solidFill>
                     <a:srgbClr val="000000"/>
                   </a:solidFill>
@@ -2349,7 +2356,7 @@
             </a:ln>
             <a:extLst>
               <a:ext uri="{91240B29-F687-4f45-9708-019B960494DF}">
-                <a14:hiddenLine xmlns:a14="http://schemas.microsoft.com/office/drawing/2010/main" xmlns="" w="9525">
+                <a14:hiddenLine xmlns="" xmlns:a14="http://schemas.microsoft.com/office/drawing/2010/main" w="9525">
                   <a:solidFill>
                     <a:srgbClr val="000000"/>
                   </a:solidFill>
@@ -2439,7 +2446,7 @@
             </a:ln>
             <a:extLst>
               <a:ext uri="{91240B29-F687-4f45-9708-019B960494DF}">
-                <a14:hiddenLine xmlns:a14="http://schemas.microsoft.com/office/drawing/2010/main" xmlns="" w="9525">
+                <a14:hiddenLine xmlns="" xmlns:a14="http://schemas.microsoft.com/office/drawing/2010/main" w="9525">
                   <a:solidFill>
                     <a:srgbClr val="000000"/>
                   </a:solidFill>
@@ -2501,7 +2508,7 @@
             </a:ln>
             <a:extLst>
               <a:ext uri="{91240B29-F687-4f45-9708-019B960494DF}">
-                <a14:hiddenLine xmlns:a14="http://schemas.microsoft.com/office/drawing/2010/main" xmlns="" w="9525">
+                <a14:hiddenLine xmlns="" xmlns:a14="http://schemas.microsoft.com/office/drawing/2010/main" w="9525">
                   <a:solidFill>
                     <a:srgbClr val="000000"/>
                   </a:solidFill>
@@ -2563,7 +2570,7 @@
             </a:ln>
             <a:extLst>
               <a:ext uri="{91240B29-F687-4f45-9708-019B960494DF}">
-                <a14:hiddenLine xmlns:a14="http://schemas.microsoft.com/office/drawing/2010/main" xmlns="" w="9525">
+                <a14:hiddenLine xmlns="" xmlns:a14="http://schemas.microsoft.com/office/drawing/2010/main" w="9525">
                   <a:solidFill>
                     <a:srgbClr val="000000"/>
                   </a:solidFill>
@@ -2653,7 +2660,7 @@
             </a:ln>
             <a:extLst>
               <a:ext uri="{91240B29-F687-4f45-9708-019B960494DF}">
-                <a14:hiddenLine xmlns:a14="http://schemas.microsoft.com/office/drawing/2010/main" xmlns="" w="9525">
+                <a14:hiddenLine xmlns="" xmlns:a14="http://schemas.microsoft.com/office/drawing/2010/main" w="9525">
                   <a:solidFill>
                     <a:srgbClr val="000000"/>
                   </a:solidFill>
@@ -2721,7 +2728,7 @@
             </a:ln>
             <a:extLst>
               <a:ext uri="{91240B29-F687-4f45-9708-019B960494DF}">
-                <a14:hiddenLine xmlns:a14="http://schemas.microsoft.com/office/drawing/2010/main" xmlns="" w="9525">
+                <a14:hiddenLine xmlns="" xmlns:a14="http://schemas.microsoft.com/office/drawing/2010/main" w="9525">
                   <a:solidFill>
                     <a:srgbClr val="000000"/>
                   </a:solidFill>
@@ -2783,7 +2790,7 @@
             </a:ln>
             <a:extLst>
               <a:ext uri="{91240B29-F687-4f45-9708-019B960494DF}">
-                <a14:hiddenLine xmlns:a14="http://schemas.microsoft.com/office/drawing/2010/main" xmlns="" w="9525">
+                <a14:hiddenLine xmlns="" xmlns:a14="http://schemas.microsoft.com/office/drawing/2010/main" w="9525">
                   <a:solidFill>
                     <a:srgbClr val="000000"/>
                   </a:solidFill>
@@ -2873,7 +2880,7 @@
             </a:ln>
             <a:extLst>
               <a:ext uri="{91240B29-F687-4f45-9708-019B960494DF}">
-                <a14:hiddenLine xmlns:a14="http://schemas.microsoft.com/office/drawing/2010/main" xmlns="" w="9525">
+                <a14:hiddenLine xmlns="" xmlns:a14="http://schemas.microsoft.com/office/drawing/2010/main" w="9525">
                   <a:solidFill>
                     <a:srgbClr val="000000"/>
                   </a:solidFill>
@@ -2935,7 +2942,7 @@
             </a:ln>
             <a:extLst>
               <a:ext uri="{91240B29-F687-4f45-9708-019B960494DF}">
-                <a14:hiddenLine xmlns:a14="http://schemas.microsoft.com/office/drawing/2010/main" xmlns="" w="9525">
+                <a14:hiddenLine xmlns="" xmlns:a14="http://schemas.microsoft.com/office/drawing/2010/main" w="9525">
                   <a:solidFill>
                     <a:srgbClr val="000000"/>
                   </a:solidFill>
@@ -3025,7 +3032,7 @@
             </a:ln>
             <a:extLst>
               <a:ext uri="{91240B29-F687-4f45-9708-019B960494DF}">
-                <a14:hiddenLine xmlns:a14="http://schemas.microsoft.com/office/drawing/2010/main" xmlns="" w="9525">
+                <a14:hiddenLine xmlns="" xmlns:a14="http://schemas.microsoft.com/office/drawing/2010/main" w="9525">
                   <a:solidFill>
                     <a:srgbClr val="000000"/>
                   </a:solidFill>
@@ -3087,7 +3094,7 @@
             </a:ln>
             <a:extLst>
               <a:ext uri="{91240B29-F687-4f45-9708-019B960494DF}">
-                <a14:hiddenLine xmlns:a14="http://schemas.microsoft.com/office/drawing/2010/main" xmlns="" w="9525">
+                <a14:hiddenLine xmlns="" xmlns:a14="http://schemas.microsoft.com/office/drawing/2010/main" w="9525">
                   <a:solidFill>
                     <a:srgbClr val="000000"/>
                   </a:solidFill>
@@ -3177,7 +3184,7 @@
             </a:ln>
             <a:extLst>
               <a:ext uri="{91240B29-F687-4f45-9708-019B960494DF}">
-                <a14:hiddenLine xmlns:a14="http://schemas.microsoft.com/office/drawing/2010/main" xmlns="" w="9525">
+                <a14:hiddenLine xmlns="" xmlns:a14="http://schemas.microsoft.com/office/drawing/2010/main" w="9525">
                   <a:solidFill>
                     <a:srgbClr val="000000"/>
                   </a:solidFill>
@@ -3211,7 +3218,7 @@
             </a:ln>
             <a:extLst>
               <a:ext uri="{91240B29-F687-4f45-9708-019B960494DF}">
-                <a14:hiddenLine xmlns:a14="http://schemas.microsoft.com/office/drawing/2010/main" xmlns="" w="9525">
+                <a14:hiddenLine xmlns="" xmlns:a14="http://schemas.microsoft.com/office/drawing/2010/main" w="9525">
                   <a:solidFill>
                     <a:srgbClr val="000000"/>
                   </a:solidFill>
@@ -3276,7 +3283,7 @@
             </a:ln>
             <a:extLst>
               <a:ext uri="{91240B29-F687-4f45-9708-019B960494DF}">
-                <a14:hiddenLine xmlns:a14="http://schemas.microsoft.com/office/drawing/2010/main" xmlns="" w="9525">
+                <a14:hiddenLine xmlns="" xmlns:a14="http://schemas.microsoft.com/office/drawing/2010/main" w="9525">
                   <a:solidFill>
                     <a:srgbClr val="000000"/>
                   </a:solidFill>
@@ -3366,7 +3373,7 @@
             </a:ln>
             <a:extLst>
               <a:ext uri="{91240B29-F687-4f45-9708-019B960494DF}">
-                <a14:hiddenLine xmlns:a14="http://schemas.microsoft.com/office/drawing/2010/main" xmlns="" w="9525">
+                <a14:hiddenLine xmlns="" xmlns:a14="http://schemas.microsoft.com/office/drawing/2010/main" w="9525">
                   <a:solidFill>
                     <a:srgbClr val="000000"/>
                   </a:solidFill>
@@ -3428,7 +3435,7 @@
             </a:ln>
             <a:extLst>
               <a:ext uri="{91240B29-F687-4f45-9708-019B960494DF}">
-                <a14:hiddenLine xmlns:a14="http://schemas.microsoft.com/office/drawing/2010/main" xmlns="" w="9525">
+                <a14:hiddenLine xmlns="" xmlns:a14="http://schemas.microsoft.com/office/drawing/2010/main" w="9525">
                   <a:solidFill>
                     <a:srgbClr val="000000"/>
                   </a:solidFill>
@@ -3518,7 +3525,7 @@
             </a:ln>
             <a:extLst>
               <a:ext uri="{91240B29-F687-4f45-9708-019B960494DF}">
-                <a14:hiddenLine xmlns:a14="http://schemas.microsoft.com/office/drawing/2010/main" xmlns="" w="9525">
+                <a14:hiddenLine xmlns="" xmlns:a14="http://schemas.microsoft.com/office/drawing/2010/main" w="9525">
                   <a:solidFill>
                     <a:srgbClr val="000000"/>
                   </a:solidFill>
@@ -3608,7 +3615,7 @@
             </a:ln>
             <a:extLst>
               <a:ext uri="{91240B29-F687-4f45-9708-019B960494DF}">
-                <a14:hiddenLine xmlns:a14="http://schemas.microsoft.com/office/drawing/2010/main" xmlns="" w="9525">
+                <a14:hiddenLine xmlns="" xmlns:a14="http://schemas.microsoft.com/office/drawing/2010/main" w="9525">
                   <a:solidFill>
                     <a:srgbClr val="000000"/>
                   </a:solidFill>
@@ -3673,7 +3680,7 @@
             </a:ln>
             <a:extLst>
               <a:ext uri="{91240B29-F687-4f45-9708-019B960494DF}">
-                <a14:hiddenLine xmlns:a14="http://schemas.microsoft.com/office/drawing/2010/main" xmlns="" w="9525">
+                <a14:hiddenLine xmlns="" xmlns:a14="http://schemas.microsoft.com/office/drawing/2010/main" w="9525">
                   <a:solidFill>
                     <a:srgbClr val="000000"/>
                   </a:solidFill>
@@ -3735,7 +3742,7 @@
             </a:ln>
             <a:extLst>
               <a:ext uri="{91240B29-F687-4f45-9708-019B960494DF}">
-                <a14:hiddenLine xmlns:a14="http://schemas.microsoft.com/office/drawing/2010/main" xmlns="" w="9525">
+                <a14:hiddenLine xmlns="" xmlns:a14="http://schemas.microsoft.com/office/drawing/2010/main" w="9525">
                   <a:solidFill>
                     <a:srgbClr val="000000"/>
                   </a:solidFill>
@@ -3825,7 +3832,7 @@
             </a:ln>
             <a:extLst>
               <a:ext uri="{91240B29-F687-4f45-9708-019B960494DF}">
-                <a14:hiddenLine xmlns:a14="http://schemas.microsoft.com/office/drawing/2010/main" xmlns="" w="9525">
+                <a14:hiddenLine xmlns="" xmlns:a14="http://schemas.microsoft.com/office/drawing/2010/main" w="9525">
                   <a:solidFill>
                     <a:srgbClr val="000000"/>
                   </a:solidFill>
@@ -3915,7 +3922,7 @@
             </a:ln>
             <a:extLst>
               <a:ext uri="{91240B29-F687-4f45-9708-019B960494DF}">
-                <a14:hiddenLine xmlns:a14="http://schemas.microsoft.com/office/drawing/2010/main" xmlns="" w="9525">
+                <a14:hiddenLine xmlns="" xmlns:a14="http://schemas.microsoft.com/office/drawing/2010/main" w="9525">
                   <a:solidFill>
                     <a:srgbClr val="000000"/>
                   </a:solidFill>
@@ -3977,7 +3984,7 @@
             </a:ln>
             <a:extLst>
               <a:ext uri="{91240B29-F687-4f45-9708-019B960494DF}">
-                <a14:hiddenLine xmlns:a14="http://schemas.microsoft.com/office/drawing/2010/main" xmlns="" w="9525">
+                <a14:hiddenLine xmlns="" xmlns:a14="http://schemas.microsoft.com/office/drawing/2010/main" w="9525">
                   <a:solidFill>
                     <a:srgbClr val="000000"/>
                   </a:solidFill>
@@ -4097,7 +4104,7 @@
             </a:ln>
             <a:extLst>
               <a:ext uri="{91240B29-F687-4f45-9708-019B960494DF}">
-                <a14:hiddenLine xmlns:a14="http://schemas.microsoft.com/office/drawing/2010/main" xmlns="" w="9525">
+                <a14:hiddenLine xmlns="" xmlns:a14="http://schemas.microsoft.com/office/drawing/2010/main" w="9525">
                   <a:solidFill>
                     <a:srgbClr val="000000"/>
                   </a:solidFill>
@@ -4165,7 +4172,7 @@
             </a:ln>
             <a:extLst>
               <a:ext uri="{91240B29-F687-4f45-9708-019B960494DF}">
-                <a14:hiddenLine xmlns:a14="http://schemas.microsoft.com/office/drawing/2010/main" xmlns="" w="9525">
+                <a14:hiddenLine xmlns="" xmlns:a14="http://schemas.microsoft.com/office/drawing/2010/main" w="9525">
                   <a:solidFill>
                     <a:srgbClr val="000000"/>
                   </a:solidFill>
@@ -4255,7 +4262,7 @@
             </a:ln>
             <a:extLst>
               <a:ext uri="{91240B29-F687-4f45-9708-019B960494DF}">
-                <a14:hiddenLine xmlns:a14="http://schemas.microsoft.com/office/drawing/2010/main" xmlns="" w="9525">
+                <a14:hiddenLine xmlns="" xmlns:a14="http://schemas.microsoft.com/office/drawing/2010/main" w="9525">
                   <a:solidFill>
                     <a:srgbClr val="000000"/>
                   </a:solidFill>
@@ -8984,7 +8991,7 @@
           <a:noFill/>
           <a:extLst>
             <a:ext uri="{909E8E84-426E-40dd-AFC4-6F175D3DCCD1}">
-              <a14:hiddenFill xmlns:a14="http://schemas.microsoft.com/office/drawing/2010/main" xmlns="">
+              <a14:hiddenFill xmlns="" xmlns:a14="http://schemas.microsoft.com/office/drawing/2010/main">
                 <a:solidFill>
                   <a:srgbClr val="FFFFFF"/>
                 </a:solidFill>
@@ -9058,7 +9065,7 @@
               </a:ln>
               <a:extLst>
                 <a:ext uri="{91240B29-F687-4f45-9708-019B960494DF}">
-                  <a14:hiddenLine xmlns:a14="http://schemas.microsoft.com/office/drawing/2010/main" xmlns="" w="9525">
+                  <a14:hiddenLine xmlns="" xmlns:a14="http://schemas.microsoft.com/office/drawing/2010/main" w="9525">
                     <a:solidFill>
                       <a:srgbClr val="000000"/>
                     </a:solidFill>
@@ -9148,7 +9155,7 @@
               </a:ln>
               <a:extLst>
                 <a:ext uri="{91240B29-F687-4f45-9708-019B960494DF}">
-                  <a14:hiddenLine xmlns:a14="http://schemas.microsoft.com/office/drawing/2010/main" xmlns="" w="9525">
+                  <a14:hiddenLine xmlns="" xmlns:a14="http://schemas.microsoft.com/office/drawing/2010/main" w="9525">
                     <a:solidFill>
                       <a:srgbClr val="000000"/>
                     </a:solidFill>
@@ -9238,7 +9245,7 @@
               </a:ln>
               <a:extLst>
                 <a:ext uri="{91240B29-F687-4f45-9708-019B960494DF}">
-                  <a14:hiddenLine xmlns:a14="http://schemas.microsoft.com/office/drawing/2010/main" xmlns="" w="9525">
+                  <a14:hiddenLine xmlns="" xmlns:a14="http://schemas.microsoft.com/office/drawing/2010/main" w="9525">
                     <a:solidFill>
                       <a:srgbClr val="000000"/>
                     </a:solidFill>
@@ -9300,7 +9307,7 @@
               </a:ln>
               <a:extLst>
                 <a:ext uri="{91240B29-F687-4f45-9708-019B960494DF}">
-                  <a14:hiddenLine xmlns:a14="http://schemas.microsoft.com/office/drawing/2010/main" xmlns="" w="9525">
+                  <a14:hiddenLine xmlns="" xmlns:a14="http://schemas.microsoft.com/office/drawing/2010/main" w="9525">
                     <a:solidFill>
                       <a:srgbClr val="000000"/>
                     </a:solidFill>
@@ -9390,7 +9397,7 @@
               </a:ln>
               <a:extLst>
                 <a:ext uri="{91240B29-F687-4f45-9708-019B960494DF}">
-                  <a14:hiddenLine xmlns:a14="http://schemas.microsoft.com/office/drawing/2010/main" xmlns="" w="9525">
+                  <a14:hiddenLine xmlns="" xmlns:a14="http://schemas.microsoft.com/office/drawing/2010/main" w="9525">
                     <a:solidFill>
                       <a:srgbClr val="000000"/>
                     </a:solidFill>
@@ -9452,7 +9459,7 @@
               </a:ln>
               <a:extLst>
                 <a:ext uri="{91240B29-F687-4f45-9708-019B960494DF}">
-                  <a14:hiddenLine xmlns:a14="http://schemas.microsoft.com/office/drawing/2010/main" xmlns="" w="9525">
+                  <a14:hiddenLine xmlns="" xmlns:a14="http://schemas.microsoft.com/office/drawing/2010/main" w="9525">
                     <a:solidFill>
                       <a:srgbClr val="000000"/>
                     </a:solidFill>
@@ -9514,7 +9521,7 @@
               </a:ln>
               <a:extLst>
                 <a:ext uri="{91240B29-F687-4f45-9708-019B960494DF}">
-                  <a14:hiddenLine xmlns:a14="http://schemas.microsoft.com/office/drawing/2010/main" xmlns="" w="9525">
+                  <a14:hiddenLine xmlns="" xmlns:a14="http://schemas.microsoft.com/office/drawing/2010/main" w="9525">
                     <a:solidFill>
                       <a:srgbClr val="000000"/>
                     </a:solidFill>
@@ -9604,7 +9611,7 @@
               </a:ln>
               <a:extLst>
                 <a:ext uri="{91240B29-F687-4f45-9708-019B960494DF}">
-                  <a14:hiddenLine xmlns:a14="http://schemas.microsoft.com/office/drawing/2010/main" xmlns="" w="9525">
+                  <a14:hiddenLine xmlns="" xmlns:a14="http://schemas.microsoft.com/office/drawing/2010/main" w="9525">
                     <a:solidFill>
                       <a:srgbClr val="000000"/>
                     </a:solidFill>
@@ -9694,7 +9701,7 @@
               </a:ln>
               <a:extLst>
                 <a:ext uri="{91240B29-F687-4f45-9708-019B960494DF}">
-                  <a14:hiddenLine xmlns:a14="http://schemas.microsoft.com/office/drawing/2010/main" xmlns="" w="9525">
+                  <a14:hiddenLine xmlns="" xmlns:a14="http://schemas.microsoft.com/office/drawing/2010/main" w="9525">
                     <a:solidFill>
                       <a:srgbClr val="000000"/>
                     </a:solidFill>
@@ -9756,7 +9763,7 @@
               </a:ln>
               <a:extLst>
                 <a:ext uri="{91240B29-F687-4f45-9708-019B960494DF}">
-                  <a14:hiddenLine xmlns:a14="http://schemas.microsoft.com/office/drawing/2010/main" xmlns="" w="9525">
+                  <a14:hiddenLine xmlns="" xmlns:a14="http://schemas.microsoft.com/office/drawing/2010/main" w="9525">
                     <a:solidFill>
                       <a:srgbClr val="000000"/>
                     </a:solidFill>
@@ -9866,7 +9873,7 @@
               </a:ln>
               <a:extLst>
                 <a:ext uri="{91240B29-F687-4f45-9708-019B960494DF}">
-                  <a14:hiddenLine xmlns:a14="http://schemas.microsoft.com/office/drawing/2010/main" xmlns="" w="9525">
+                  <a14:hiddenLine xmlns="" xmlns:a14="http://schemas.microsoft.com/office/drawing/2010/main" w="9525">
                     <a:solidFill>
                       <a:srgbClr val="000000"/>
                     </a:solidFill>
@@ -9950,7 +9957,7 @@
               </a:ln>
               <a:extLst>
                 <a:ext uri="{91240B29-F687-4f45-9708-019B960494DF}">
-                  <a14:hiddenLine xmlns:a14="http://schemas.microsoft.com/office/drawing/2010/main" xmlns="" w="9525">
+                  <a14:hiddenLine xmlns="" xmlns:a14="http://schemas.microsoft.com/office/drawing/2010/main" w="9525">
                     <a:solidFill>
                       <a:srgbClr val="000000"/>
                     </a:solidFill>
@@ -10012,7 +10019,7 @@
               </a:ln>
               <a:extLst>
                 <a:ext uri="{91240B29-F687-4f45-9708-019B960494DF}">
-                  <a14:hiddenLine xmlns:a14="http://schemas.microsoft.com/office/drawing/2010/main" xmlns="" w="9525">
+                  <a14:hiddenLine xmlns="" xmlns:a14="http://schemas.microsoft.com/office/drawing/2010/main" w="9525">
                     <a:solidFill>
                       <a:srgbClr val="000000"/>
                     </a:solidFill>
@@ -10074,7 +10081,7 @@
               </a:ln>
               <a:extLst>
                 <a:ext uri="{91240B29-F687-4f45-9708-019B960494DF}">
-                  <a14:hiddenLine xmlns:a14="http://schemas.microsoft.com/office/drawing/2010/main" xmlns="" w="9525">
+                  <a14:hiddenLine xmlns="" xmlns:a14="http://schemas.microsoft.com/office/drawing/2010/main" w="9525">
                     <a:solidFill>
                       <a:srgbClr val="000000"/>
                     </a:solidFill>
@@ -10164,7 +10171,7 @@
               </a:ln>
               <a:extLst>
                 <a:ext uri="{91240B29-F687-4f45-9708-019B960494DF}">
-                  <a14:hiddenLine xmlns:a14="http://schemas.microsoft.com/office/drawing/2010/main" xmlns="" w="9525">
+                  <a14:hiddenLine xmlns="" xmlns:a14="http://schemas.microsoft.com/office/drawing/2010/main" w="9525">
                     <a:solidFill>
                       <a:srgbClr val="000000"/>
                     </a:solidFill>
@@ -10198,7 +10205,7 @@
               </a:ln>
               <a:extLst>
                 <a:ext uri="{91240B29-F687-4f45-9708-019B960494DF}">
-                  <a14:hiddenLine xmlns:a14="http://schemas.microsoft.com/office/drawing/2010/main" xmlns="" w="9525">
+                  <a14:hiddenLine xmlns="" xmlns:a14="http://schemas.microsoft.com/office/drawing/2010/main" w="9525">
                     <a:solidFill>
                       <a:srgbClr val="000000"/>
                     </a:solidFill>
@@ -10263,7 +10270,7 @@
               </a:ln>
               <a:extLst>
                 <a:ext uri="{91240B29-F687-4f45-9708-019B960494DF}">
-                  <a14:hiddenLine xmlns:a14="http://schemas.microsoft.com/office/drawing/2010/main" xmlns="" w="9525">
+                  <a14:hiddenLine xmlns="" xmlns:a14="http://schemas.microsoft.com/office/drawing/2010/main" w="9525">
                     <a:solidFill>
                       <a:srgbClr val="000000"/>
                     </a:solidFill>
@@ -10353,7 +10360,7 @@
               </a:ln>
               <a:extLst>
                 <a:ext uri="{91240B29-F687-4f45-9708-019B960494DF}">
-                  <a14:hiddenLine xmlns:a14="http://schemas.microsoft.com/office/drawing/2010/main" xmlns="" w="9525">
+                  <a14:hiddenLine xmlns="" xmlns:a14="http://schemas.microsoft.com/office/drawing/2010/main" w="9525">
                     <a:solidFill>
                       <a:srgbClr val="000000"/>
                     </a:solidFill>
@@ -10415,7 +10422,7 @@
               </a:ln>
               <a:extLst>
                 <a:ext uri="{91240B29-F687-4f45-9708-019B960494DF}">
-                  <a14:hiddenLine xmlns:a14="http://schemas.microsoft.com/office/drawing/2010/main" xmlns="" w="9525">
+                  <a14:hiddenLine xmlns="" xmlns:a14="http://schemas.microsoft.com/office/drawing/2010/main" w="9525">
                     <a:solidFill>
                       <a:srgbClr val="000000"/>
                     </a:solidFill>
@@ -10505,7 +10512,7 @@
               </a:ln>
               <a:extLst>
                 <a:ext uri="{91240B29-F687-4f45-9708-019B960494DF}">
-                  <a14:hiddenLine xmlns:a14="http://schemas.microsoft.com/office/drawing/2010/main" xmlns="" w="9525">
+                  <a14:hiddenLine xmlns="" xmlns:a14="http://schemas.microsoft.com/office/drawing/2010/main" w="9525">
                     <a:solidFill>
                       <a:srgbClr val="000000"/>
                     </a:solidFill>
@@ -10570,7 +10577,7 @@
               </a:ln>
               <a:extLst>
                 <a:ext uri="{91240B29-F687-4f45-9708-019B960494DF}">
-                  <a14:hiddenLine xmlns:a14="http://schemas.microsoft.com/office/drawing/2010/main" xmlns="" w="9525">
+                  <a14:hiddenLine xmlns="" xmlns:a14="http://schemas.microsoft.com/office/drawing/2010/main" w="9525">
                     <a:solidFill>
                       <a:srgbClr val="000000"/>
                     </a:solidFill>
@@ -10632,7 +10639,7 @@
               </a:ln>
               <a:extLst>
                 <a:ext uri="{91240B29-F687-4f45-9708-019B960494DF}">
-                  <a14:hiddenLine xmlns:a14="http://schemas.microsoft.com/office/drawing/2010/main" xmlns="" w="9525">
+                  <a14:hiddenLine xmlns="" xmlns:a14="http://schemas.microsoft.com/office/drawing/2010/main" w="9525">
                     <a:solidFill>
                       <a:srgbClr val="000000"/>
                     </a:solidFill>
@@ -10722,7 +10729,7 @@
               </a:ln>
               <a:extLst>
                 <a:ext uri="{91240B29-F687-4f45-9708-019B960494DF}">
-                  <a14:hiddenLine xmlns:a14="http://schemas.microsoft.com/office/drawing/2010/main" xmlns="" w="9525">
+                  <a14:hiddenLine xmlns="" xmlns:a14="http://schemas.microsoft.com/office/drawing/2010/main" w="9525">
                     <a:solidFill>
                       <a:srgbClr val="000000"/>
                     </a:solidFill>
@@ -10812,7 +10819,7 @@
               </a:ln>
               <a:extLst>
                 <a:ext uri="{91240B29-F687-4f45-9708-019B960494DF}">
-                  <a14:hiddenLine xmlns:a14="http://schemas.microsoft.com/office/drawing/2010/main" xmlns="" w="9525">
+                  <a14:hiddenLine xmlns="" xmlns:a14="http://schemas.microsoft.com/office/drawing/2010/main" w="9525">
                     <a:solidFill>
                       <a:srgbClr val="000000"/>
                     </a:solidFill>
@@ -10877,7 +10884,7 @@
               </a:ln>
               <a:extLst>
                 <a:ext uri="{91240B29-F687-4f45-9708-019B960494DF}">
-                  <a14:hiddenLine xmlns:a14="http://schemas.microsoft.com/office/drawing/2010/main" xmlns="" w="9525">
+                  <a14:hiddenLine xmlns="" xmlns:a14="http://schemas.microsoft.com/office/drawing/2010/main" w="9525">
                     <a:solidFill>
                       <a:srgbClr val="000000"/>
                     </a:solidFill>
@@ -10997,7 +11004,7 @@
               </a:ln>
               <a:extLst>
                 <a:ext uri="{91240B29-F687-4f45-9708-019B960494DF}">
-                  <a14:hiddenLine xmlns:a14="http://schemas.microsoft.com/office/drawing/2010/main" xmlns="" w="9525">
+                  <a14:hiddenLine xmlns="" xmlns:a14="http://schemas.microsoft.com/office/drawing/2010/main" w="9525">
                     <a:solidFill>
                       <a:srgbClr val="000000"/>
                     </a:solidFill>
@@ -11078,7 +11085,7 @@
               </a:ln>
               <a:extLst>
                 <a:ext uri="{91240B29-F687-4f45-9708-019B960494DF}">
-                  <a14:hiddenLine xmlns:a14="http://schemas.microsoft.com/office/drawing/2010/main" xmlns="" w="9525">
+                  <a14:hiddenLine xmlns="" xmlns:a14="http://schemas.microsoft.com/office/drawing/2010/main" w="9525">
                     <a:solidFill>
                       <a:srgbClr val="000000"/>
                     </a:solidFill>
@@ -11193,7 +11200,7 @@
               </a:ln>
               <a:extLst>
                 <a:ext uri="{91240B29-F687-4f45-9708-019B960494DF}">
-                  <a14:hiddenLine xmlns:a14="http://schemas.microsoft.com/office/drawing/2010/main" xmlns="" w="9525">
+                  <a14:hiddenLine xmlns="" xmlns:a14="http://schemas.microsoft.com/office/drawing/2010/main" w="9525">
                     <a:solidFill>
                       <a:srgbClr val="000000"/>
                     </a:solidFill>
@@ -11283,7 +11290,7 @@
               </a:ln>
               <a:extLst>
                 <a:ext uri="{91240B29-F687-4f45-9708-019B960494DF}">
-                  <a14:hiddenLine xmlns:a14="http://schemas.microsoft.com/office/drawing/2010/main" xmlns="" w="9525">
+                  <a14:hiddenLine xmlns="" xmlns:a14="http://schemas.microsoft.com/office/drawing/2010/main" w="9525">
                     <a:solidFill>
                       <a:srgbClr val="000000"/>
                     </a:solidFill>
@@ -11348,7 +11355,7 @@
               </a:ln>
               <a:extLst>
                 <a:ext uri="{91240B29-F687-4f45-9708-019B960494DF}">
-                  <a14:hiddenLine xmlns:a14="http://schemas.microsoft.com/office/drawing/2010/main" xmlns="" w="9525">
+                  <a14:hiddenLine xmlns="" xmlns:a14="http://schemas.microsoft.com/office/drawing/2010/main" w="9525">
                     <a:solidFill>
                       <a:srgbClr val="000000"/>
                     </a:solidFill>
@@ -11438,7 +11445,7 @@
               </a:ln>
               <a:extLst>
                 <a:ext uri="{91240B29-F687-4f45-9708-019B960494DF}">
-                  <a14:hiddenLine xmlns:a14="http://schemas.microsoft.com/office/drawing/2010/main" xmlns="" w="9525">
+                  <a14:hiddenLine xmlns="" xmlns:a14="http://schemas.microsoft.com/office/drawing/2010/main" w="9525">
                     <a:solidFill>
                       <a:srgbClr val="000000"/>
                     </a:solidFill>
@@ -11506,7 +11513,7 @@
               </a:ln>
               <a:extLst>
                 <a:ext uri="{91240B29-F687-4f45-9708-019B960494DF}">
-                  <a14:hiddenLine xmlns:a14="http://schemas.microsoft.com/office/drawing/2010/main" xmlns="" w="9525">
+                  <a14:hiddenLine xmlns="" xmlns:a14="http://schemas.microsoft.com/office/drawing/2010/main" w="9525">
                     <a:solidFill>
                       <a:srgbClr val="000000"/>
                     </a:solidFill>
@@ -11596,7 +11603,7 @@
               </a:ln>
               <a:extLst>
                 <a:ext uri="{91240B29-F687-4f45-9708-019B960494DF}">
-                  <a14:hiddenLine xmlns:a14="http://schemas.microsoft.com/office/drawing/2010/main" xmlns="" w="9525">
+                  <a14:hiddenLine xmlns="" xmlns:a14="http://schemas.microsoft.com/office/drawing/2010/main" w="9525">
                     <a:solidFill>
                       <a:srgbClr val="000000"/>
                     </a:solidFill>
@@ -11664,7 +11671,7 @@
               </a:ln>
               <a:extLst>
                 <a:ext uri="{91240B29-F687-4f45-9708-019B960494DF}">
-                  <a14:hiddenLine xmlns:a14="http://schemas.microsoft.com/office/drawing/2010/main" xmlns="" w="9525">
+                  <a14:hiddenLine xmlns="" xmlns:a14="http://schemas.microsoft.com/office/drawing/2010/main" w="9525">
                     <a:solidFill>
                       <a:srgbClr val="000000"/>
                     </a:solidFill>
@@ -11754,7 +11761,7 @@
               </a:ln>
               <a:extLst>
                 <a:ext uri="{91240B29-F687-4f45-9708-019B960494DF}">
-                  <a14:hiddenLine xmlns:a14="http://schemas.microsoft.com/office/drawing/2010/main" xmlns="" w="9525">
+                  <a14:hiddenLine xmlns="" xmlns:a14="http://schemas.microsoft.com/office/drawing/2010/main" w="9525">
                     <a:solidFill>
                       <a:srgbClr val="000000"/>
                     </a:solidFill>
@@ -11788,7 +11795,7 @@
               </a:ln>
               <a:extLst>
                 <a:ext uri="{91240B29-F687-4f45-9708-019B960494DF}">
-                  <a14:hiddenLine xmlns:a14="http://schemas.microsoft.com/office/drawing/2010/main" xmlns="" w="9525">
+                  <a14:hiddenLine xmlns="" xmlns:a14="http://schemas.microsoft.com/office/drawing/2010/main" w="9525">
                     <a:solidFill>
                       <a:srgbClr val="000000"/>
                     </a:solidFill>
@@ -12669,6 +12676,314 @@
 </p:sld>
 </file>
 
+<file path=ppt/slides/slide4.xml><?xml version="1.0" encoding="utf-8"?>
+<p:sld xmlns:a="http://schemas.openxmlformats.org/drawingml/2006/main" xmlns:r="http://schemas.openxmlformats.org/officeDocument/2006/relationships" xmlns:p="http://schemas.openxmlformats.org/presentationml/2006/main">
+  <p:cSld>
+    <p:spTree>
+      <p:nvGrpSpPr>
+        <p:cNvPr id="1" name=""/>
+        <p:cNvGrpSpPr/>
+        <p:nvPr/>
+      </p:nvGrpSpPr>
+      <p:grpSpPr>
+        <a:xfrm>
+          <a:off x="0" y="0"/>
+          <a:ext cx="0" cy="0"/>
+          <a:chOff x="0" y="0"/>
+          <a:chExt cx="0" cy="0"/>
+        </a:xfrm>
+      </p:grpSpPr>
+      <p:sp>
+        <p:nvSpPr>
+          <p:cNvPr id="2" name="Title 1">
+            <a:extLst>
+              <a:ext uri="{FF2B5EF4-FFF2-40B4-BE49-F238E27FC236}">
+                <a16:creationId xmlns:a16="http://schemas.microsoft.com/office/drawing/2014/main" id="{623E7EDC-FED6-4745-BF18-72146309B2A7}"/>
+              </a:ext>
+            </a:extLst>
+          </p:cNvPr>
+          <p:cNvSpPr>
+            <a:spLocks noGrp="1"/>
+          </p:cNvSpPr>
+          <p:nvPr>
+            <p:ph type="title"/>
+          </p:nvPr>
+        </p:nvSpPr>
+        <p:spPr/>
+        <p:txBody>
+          <a:bodyPr/>
+          <a:lstStyle/>
+          <a:p>
+            <a:r>
+              <a:rPr lang="en-US" dirty="0"/>
+              <a:t>Power Results</a:t>
+            </a:r>
+          </a:p>
+        </p:txBody>
+      </p:sp>
+      <p:sp>
+        <p:nvSpPr>
+          <p:cNvPr id="3" name="Content Placeholder 2">
+            <a:extLst>
+              <a:ext uri="{FF2B5EF4-FFF2-40B4-BE49-F238E27FC236}">
+                <a16:creationId xmlns:a16="http://schemas.microsoft.com/office/drawing/2014/main" id="{BB30D305-8F70-46E0-A8E1-A89EC0FC6D38}"/>
+              </a:ext>
+            </a:extLst>
+          </p:cNvPr>
+          <p:cNvSpPr>
+            <a:spLocks noGrp="1"/>
+          </p:cNvSpPr>
+          <p:nvPr>
+            <p:ph idx="1"/>
+          </p:nvPr>
+        </p:nvSpPr>
+        <p:spPr/>
+        <p:txBody>
+          <a:bodyPr/>
+          <a:lstStyle/>
+          <a:p>
+            <a:r>
+              <a:rPr lang="en-US" dirty="0"/>
+              <a:t>Solar panel: 10W 12V polycrystalline solar panel</a:t>
+            </a:r>
+          </a:p>
+          <a:p>
+            <a:r>
+              <a:rPr lang="en-US" dirty="0"/>
+              <a:t>Charge controller: Solar Charger Controller/ Regulator w/ Dual USB port</a:t>
+            </a:r>
+          </a:p>
+          <a:p>
+            <a:r>
+              <a:rPr lang="en-US" dirty="0"/>
+              <a:t>Sealed Lead Acid battery 5Ah</a:t>
+            </a:r>
+          </a:p>
+        </p:txBody>
+      </p:sp>
+      <p:pic>
+        <p:nvPicPr>
+          <p:cNvPr id="4" name="Picture 3">
+            <a:extLst>
+              <a:ext uri="{FF2B5EF4-FFF2-40B4-BE49-F238E27FC236}">
+                <a16:creationId xmlns:a16="http://schemas.microsoft.com/office/drawing/2014/main" id="{6FDC2D17-4EA7-4B93-9CF4-90141079B5EB}"/>
+              </a:ext>
+            </a:extLst>
+          </p:cNvPr>
+          <p:cNvPicPr>
+            <a:picLocks noChangeAspect="1"/>
+          </p:cNvPicPr>
+          <p:nvPr/>
+        </p:nvPicPr>
+        <p:blipFill>
+          <a:blip r:embed="rId2"/>
+          <a:stretch>
+            <a:fillRect/>
+          </a:stretch>
+        </p:blipFill>
+        <p:spPr>
+          <a:xfrm>
+            <a:off x="673878" y="4123848"/>
+            <a:ext cx="2705100" cy="2038350"/>
+          </a:xfrm>
+          <a:prstGeom prst="rect">
+            <a:avLst/>
+          </a:prstGeom>
+        </p:spPr>
+      </p:pic>
+      <p:pic>
+        <p:nvPicPr>
+          <p:cNvPr id="5" name="Picture 4">
+            <a:extLst>
+              <a:ext uri="{FF2B5EF4-FFF2-40B4-BE49-F238E27FC236}">
+                <a16:creationId xmlns:a16="http://schemas.microsoft.com/office/drawing/2014/main" id="{DCD563D6-875E-4E1C-8298-08AF4FE27421}"/>
+              </a:ext>
+            </a:extLst>
+          </p:cNvPr>
+          <p:cNvPicPr>
+            <a:picLocks noChangeAspect="1"/>
+          </p:cNvPicPr>
+          <p:nvPr/>
+        </p:nvPicPr>
+        <p:blipFill>
+          <a:blip r:embed="rId3"/>
+          <a:stretch>
+            <a:fillRect/>
+          </a:stretch>
+        </p:blipFill>
+        <p:spPr>
+          <a:xfrm>
+            <a:off x="9474374" y="293847"/>
+            <a:ext cx="1573037" cy="2326322"/>
+          </a:xfrm>
+          <a:prstGeom prst="rect">
+            <a:avLst/>
+          </a:prstGeom>
+        </p:spPr>
+      </p:pic>
+      <p:pic>
+        <p:nvPicPr>
+          <p:cNvPr id="6" name="Picture 5">
+            <a:extLst>
+              <a:ext uri="{FF2B5EF4-FFF2-40B4-BE49-F238E27FC236}">
+                <a16:creationId xmlns:a16="http://schemas.microsoft.com/office/drawing/2014/main" id="{1AB680E5-B738-4304-9F97-D6EE20776783}"/>
+              </a:ext>
+            </a:extLst>
+          </p:cNvPr>
+          <p:cNvPicPr>
+            <a:picLocks noChangeAspect="1"/>
+          </p:cNvPicPr>
+          <p:nvPr/>
+        </p:nvPicPr>
+        <p:blipFill>
+          <a:blip r:embed="rId4"/>
+          <a:stretch>
+            <a:fillRect/>
+          </a:stretch>
+        </p:blipFill>
+        <p:spPr>
+          <a:xfrm>
+            <a:off x="6378544" y="3702366"/>
+            <a:ext cx="2725767" cy="2881313"/>
+          </a:xfrm>
+          <a:prstGeom prst="rect">
+            <a:avLst/>
+          </a:prstGeom>
+        </p:spPr>
+      </p:pic>
+    </p:spTree>
+    <p:extLst>
+      <p:ext uri="{BB962C8B-B14F-4D97-AF65-F5344CB8AC3E}">
+        <p14:creationId xmlns:p14="http://schemas.microsoft.com/office/powerpoint/2010/main" val="4253210966"/>
+      </p:ext>
+    </p:extLst>
+  </p:cSld>
+  <p:clrMapOvr>
+    <a:masterClrMapping/>
+  </p:clrMapOvr>
+</p:sld>
+</file>
+
+<file path=ppt/slides/slide5.xml><?xml version="1.0" encoding="utf-8"?>
+<p:sld xmlns:a="http://schemas.openxmlformats.org/drawingml/2006/main" xmlns:r="http://schemas.openxmlformats.org/officeDocument/2006/relationships" xmlns:p="http://schemas.openxmlformats.org/presentationml/2006/main">
+  <p:cSld>
+    <p:spTree>
+      <p:nvGrpSpPr>
+        <p:cNvPr id="1" name=""/>
+        <p:cNvGrpSpPr/>
+        <p:nvPr/>
+      </p:nvGrpSpPr>
+      <p:grpSpPr>
+        <a:xfrm>
+          <a:off x="0" y="0"/>
+          <a:ext cx="0" cy="0"/>
+          <a:chOff x="0" y="0"/>
+          <a:chExt cx="0" cy="0"/>
+        </a:xfrm>
+      </p:grpSpPr>
+      <p:sp>
+        <p:nvSpPr>
+          <p:cNvPr id="2" name="Title 1">
+            <a:extLst>
+              <a:ext uri="{FF2B5EF4-FFF2-40B4-BE49-F238E27FC236}">
+                <a16:creationId xmlns:a16="http://schemas.microsoft.com/office/drawing/2014/main" id="{2371BABC-4697-4DC8-82AE-D9F1AB220568}"/>
+              </a:ext>
+            </a:extLst>
+          </p:cNvPr>
+          <p:cNvSpPr>
+            <a:spLocks noGrp="1"/>
+          </p:cNvSpPr>
+          <p:nvPr>
+            <p:ph type="title"/>
+          </p:nvPr>
+        </p:nvSpPr>
+        <p:spPr/>
+        <p:txBody>
+          <a:bodyPr/>
+          <a:lstStyle/>
+          <a:p>
+            <a:r>
+              <a:rPr lang="en-US" dirty="0"/>
+              <a:t>Power flow diagram</a:t>
+            </a:r>
+          </a:p>
+        </p:txBody>
+      </p:sp>
+      <p:pic>
+        <p:nvPicPr>
+          <p:cNvPr id="4" name="Content Placeholder 3">
+            <a:extLst>
+              <a:ext uri="{FF2B5EF4-FFF2-40B4-BE49-F238E27FC236}">
+                <a16:creationId xmlns:a16="http://schemas.microsoft.com/office/drawing/2014/main" id="{71E5D2F1-F6D5-4E22-AC55-10FC894B043A}"/>
+              </a:ext>
+            </a:extLst>
+          </p:cNvPr>
+          <p:cNvPicPr>
+            <a:picLocks noGrp="1" noChangeAspect="1"/>
+          </p:cNvPicPr>
+          <p:nvPr>
+            <p:ph idx="1"/>
+          </p:nvPr>
+        </p:nvPicPr>
+        <p:blipFill>
+          <a:blip r:embed="rId2"/>
+          <a:stretch>
+            <a:fillRect/>
+          </a:stretch>
+        </p:blipFill>
+        <p:spPr>
+          <a:xfrm>
+            <a:off x="3577129" y="2097088"/>
+            <a:ext cx="4648200" cy="1257300"/>
+          </a:xfrm>
+          <a:prstGeom prst="rect">
+            <a:avLst/>
+          </a:prstGeom>
+        </p:spPr>
+      </p:pic>
+      <p:pic>
+        <p:nvPicPr>
+          <p:cNvPr id="5" name="Picture 4">
+            <a:extLst>
+              <a:ext uri="{FF2B5EF4-FFF2-40B4-BE49-F238E27FC236}">
+                <a16:creationId xmlns:a16="http://schemas.microsoft.com/office/drawing/2014/main" id="{0D2813E4-9968-4D7E-A882-D18E31F7F4D0}"/>
+              </a:ext>
+            </a:extLst>
+          </p:cNvPr>
+          <p:cNvPicPr>
+            <a:picLocks noChangeAspect="1"/>
+          </p:cNvPicPr>
+          <p:nvPr/>
+        </p:nvPicPr>
+        <p:blipFill>
+          <a:blip r:embed="rId3"/>
+          <a:stretch>
+            <a:fillRect/>
+          </a:stretch>
+        </p:blipFill>
+        <p:spPr>
+          <a:xfrm>
+            <a:off x="3398837" y="4151786"/>
+            <a:ext cx="5391150" cy="1800225"/>
+          </a:xfrm>
+          <a:prstGeom prst="rect">
+            <a:avLst/>
+          </a:prstGeom>
+        </p:spPr>
+      </p:pic>
+    </p:spTree>
+    <p:extLst>
+      <p:ext uri="{BB962C8B-B14F-4D97-AF65-F5344CB8AC3E}">
+        <p14:creationId xmlns:p14="http://schemas.microsoft.com/office/powerpoint/2010/main" val="821553931"/>
+      </p:ext>
+    </p:extLst>
+  </p:cSld>
+  <p:clrMapOvr>
+    <a:masterClrMapping/>
+  </p:clrMapOvr>
+</p:sld>
+</file>
+
 <file path=ppt/theme/theme1.xml><?xml version="1.0" encoding="utf-8"?>
 <a:theme xmlns:a="http://schemas.openxmlformats.org/drawingml/2006/main" name="Circuit">
   <a:themeElements>
